--- a/MedicalVision.pptx
+++ b/MedicalVision.pptx
@@ -6,9 +6,8 @@
   </p:sldMasterIdLst>
   <p:sldIdLst>
     <p:sldId id="256" r:id="rId2"/>
-    <p:sldId id="257" r:id="rId3"/>
-    <p:sldId id="258" r:id="rId4"/>
-    <p:sldId id="259" r:id="rId5"/>
+    <p:sldId id="258" r:id="rId3"/>
+    <p:sldId id="259" r:id="rId4"/>
   </p:sldIdLst>
   <p:sldSz cx="9144000" cy="6858000" type="screen4x3"/>
   <p:notesSz cx="6858000" cy="9144000"/>
@@ -3133,7 +3132,12 @@
             <p:ph type="ctrTitle"/>
           </p:nvPr>
         </p:nvSpPr>
-        <p:spPr/>
+        <p:spPr>
+          <a:xfrm>
+            <a:off x="685800" y="1488581"/>
+            <a:ext cx="7772400" cy="1470025"/>
+          </a:xfrm>
+        </p:spPr>
         <p:txBody>
           <a:bodyPr/>
           <a:lstStyle/>
@@ -3156,7 +3160,12 @@
             <p:ph type="subTitle" idx="1"/>
           </p:nvPr>
         </p:nvSpPr>
-        <p:spPr/>
+        <p:spPr>
+          <a:xfrm>
+            <a:off x="1371600" y="2577777"/>
+            <a:ext cx="6400800" cy="1752600"/>
+          </a:xfrm>
+        </p:spPr>
         <p:txBody>
           <a:bodyPr/>
           <a:lstStyle/>
@@ -3196,6 +3205,136 @@
           </a:prstGeom>
         </p:spPr>
       </p:pic>
+      <p:sp>
+        <p:nvSpPr>
+          <p:cNvPr id="5" name="TextBox 4"/>
+          <p:cNvSpPr txBox="1"/>
+          <p:nvPr/>
+        </p:nvSpPr>
+        <p:spPr>
+          <a:xfrm>
+            <a:off x="756922" y="3655890"/>
+            <a:ext cx="7394009" cy="1754327"/>
+          </a:xfrm>
+          <a:prstGeom prst="rect">
+            <a:avLst/>
+          </a:prstGeom>
+          <a:noFill/>
+        </p:spPr>
+        <p:txBody>
+          <a:bodyPr wrap="none" rtlCol="0">
+            <a:spAutoFit/>
+          </a:bodyPr>
+          <a:lstStyle/>
+          <a:p>
+            <a:r>
+              <a:rPr lang="en-US" dirty="0" smtClean="0"/>
+              <a:t>Medical vision is </a:t>
+            </a:r>
+            <a:r>
+              <a:rPr lang="en-US" dirty="0" err="1" smtClean="0"/>
+              <a:t>Tesch</a:t>
+            </a:r>
+            <a:r>
+              <a:rPr lang="en-US" dirty="0" smtClean="0"/>
+              <a:t> </a:t>
+            </a:r>
+            <a:r>
+              <a:rPr lang="en-US" dirty="0" err="1" smtClean="0"/>
+              <a:t>Global’s</a:t>
+            </a:r>
+            <a:r>
+              <a:rPr lang="en-US" dirty="0" smtClean="0"/>
+              <a:t> approach to C-CDA Rendering tool challenge,</a:t>
+            </a:r>
+          </a:p>
+          <a:p>
+            <a:r>
+              <a:rPr lang="en-US" dirty="0" smtClean="0"/>
+              <a:t>It is a web tool based in:</a:t>
+            </a:r>
+          </a:p>
+          <a:p>
+            <a:pPr marL="285750" indent="-285750">
+              <a:buFontTx/>
+              <a:buChar char="-"/>
+            </a:pPr>
+            <a:r>
+              <a:rPr lang="en-US" dirty="0" err="1" smtClean="0"/>
+              <a:t>Talend</a:t>
+            </a:r>
+            <a:r>
+              <a:rPr lang="en-US" dirty="0" smtClean="0"/>
+              <a:t> (for CDA document parsing)</a:t>
+            </a:r>
+          </a:p>
+          <a:p>
+            <a:pPr marL="285750" indent="-285750">
+              <a:buFontTx/>
+              <a:buChar char="-"/>
+            </a:pPr>
+            <a:r>
+              <a:rPr lang="en-US" dirty="0" err="1" smtClean="0"/>
+              <a:t>Node.js</a:t>
+            </a:r>
+            <a:r>
+              <a:rPr lang="en-US" dirty="0" smtClean="0"/>
+              <a:t> for web server</a:t>
+            </a:r>
+          </a:p>
+          <a:p>
+            <a:pPr marL="285750" indent="-285750">
+              <a:buFontTx/>
+              <a:buChar char="-"/>
+            </a:pPr>
+            <a:r>
+              <a:rPr lang="en-US" dirty="0" smtClean="0"/>
+              <a:t>React as front-end language</a:t>
+            </a:r>
+          </a:p>
+          <a:p>
+            <a:pPr marL="285750" indent="-285750">
+              <a:buFontTx/>
+              <a:buChar char="-"/>
+            </a:pPr>
+            <a:r>
+              <a:rPr lang="en-US" dirty="0" smtClean="0"/>
+              <a:t>Bootstrap and HTML5 based.</a:t>
+            </a:r>
+            <a:endParaRPr lang="en-US" dirty="0"/>
+          </a:p>
+        </p:txBody>
+      </p:sp>
+      <p:sp>
+        <p:nvSpPr>
+          <p:cNvPr id="6" name="TextBox 5"/>
+          <p:cNvSpPr txBox="1"/>
+          <p:nvPr/>
+        </p:nvSpPr>
+        <p:spPr>
+          <a:xfrm>
+            <a:off x="685800" y="5580041"/>
+            <a:ext cx="7748826" cy="923330"/>
+          </a:xfrm>
+          <a:prstGeom prst="rect">
+            <a:avLst/>
+          </a:prstGeom>
+          <a:noFill/>
+        </p:spPr>
+        <p:txBody>
+          <a:bodyPr wrap="square" rtlCol="0">
+            <a:spAutoFit/>
+          </a:bodyPr>
+          <a:lstStyle/>
+          <a:p>
+            <a:r>
+              <a:rPr lang="en-US" dirty="0" smtClean="0"/>
+              <a:t>The main reason we decided to use this tools, is because the lightweight of them, along with the ease to use and understand, so; anyone which wants to use, integrate or extend the tool, doesn’t need to complicate much.</a:t>
+            </a:r>
+            <a:endParaRPr lang="en-US" dirty="0"/>
+          </a:p>
+        </p:txBody>
+      </p:sp>
     </p:spTree>
     <p:extLst>
       <p:ext uri="{BB962C8B-B14F-4D97-AF65-F5344CB8AC3E}">
@@ -3210,200 +3349,6 @@
 </file>
 
 <file path=ppt/slides/slide2.xml><?xml version="1.0" encoding="utf-8"?>
-<p:sld xmlns:a="http://schemas.openxmlformats.org/drawingml/2006/main" xmlns:r="http://schemas.openxmlformats.org/officeDocument/2006/relationships" xmlns:p="http://schemas.openxmlformats.org/presentationml/2006/main">
-  <p:cSld>
-    <p:spTree>
-      <p:nvGrpSpPr>
-        <p:cNvPr id="1" name=""/>
-        <p:cNvGrpSpPr/>
-        <p:nvPr/>
-      </p:nvGrpSpPr>
-      <p:grpSpPr>
-        <a:xfrm>
-          <a:off x="0" y="0"/>
-          <a:ext cx="0" cy="0"/>
-          <a:chOff x="0" y="0"/>
-          <a:chExt cx="0" cy="0"/>
-        </a:xfrm>
-      </p:grpSpPr>
-      <p:sp>
-        <p:nvSpPr>
-          <p:cNvPr id="4" name="TextBox 3"/>
-          <p:cNvSpPr txBox="1"/>
-          <p:nvPr/>
-        </p:nvSpPr>
-        <p:spPr>
-          <a:xfrm>
-            <a:off x="756922" y="1488011"/>
-            <a:ext cx="7394009" cy="1754327"/>
-          </a:xfrm>
-          <a:prstGeom prst="rect">
-            <a:avLst/>
-          </a:prstGeom>
-          <a:noFill/>
-        </p:spPr>
-        <p:txBody>
-          <a:bodyPr wrap="none" rtlCol="0">
-            <a:spAutoFit/>
-          </a:bodyPr>
-          <a:lstStyle/>
-          <a:p>
-            <a:r>
-              <a:rPr lang="en-US" dirty="0" smtClean="0"/>
-              <a:t>Medical vision is </a:t>
-            </a:r>
-            <a:r>
-              <a:rPr lang="en-US" dirty="0" err="1" smtClean="0"/>
-              <a:t>Tesch</a:t>
-            </a:r>
-            <a:r>
-              <a:rPr lang="en-US" dirty="0" smtClean="0"/>
-              <a:t> </a:t>
-            </a:r>
-            <a:r>
-              <a:rPr lang="en-US" dirty="0" err="1" smtClean="0"/>
-              <a:t>Global’s</a:t>
-            </a:r>
-            <a:r>
-              <a:rPr lang="en-US" dirty="0" smtClean="0"/>
-              <a:t> approach to C-CDA Rendering tool challenge,</a:t>
-            </a:r>
-          </a:p>
-          <a:p>
-            <a:r>
-              <a:rPr lang="en-US" dirty="0" smtClean="0"/>
-              <a:t>It is a web tool based in:</a:t>
-            </a:r>
-          </a:p>
-          <a:p>
-            <a:pPr marL="285750" indent="-285750">
-              <a:buFontTx/>
-              <a:buChar char="-"/>
-            </a:pPr>
-            <a:r>
-              <a:rPr lang="en-US" dirty="0" err="1" smtClean="0"/>
-              <a:t>Talend</a:t>
-            </a:r>
-            <a:r>
-              <a:rPr lang="en-US" dirty="0" smtClean="0"/>
-              <a:t> (for CDA document parsing)</a:t>
-            </a:r>
-          </a:p>
-          <a:p>
-            <a:pPr marL="285750" indent="-285750">
-              <a:buFontTx/>
-              <a:buChar char="-"/>
-            </a:pPr>
-            <a:r>
-              <a:rPr lang="en-US" dirty="0" err="1" smtClean="0"/>
-              <a:t>Node.js</a:t>
-            </a:r>
-            <a:r>
-              <a:rPr lang="en-US" dirty="0" smtClean="0"/>
-              <a:t> for web server</a:t>
-            </a:r>
-          </a:p>
-          <a:p>
-            <a:pPr marL="285750" indent="-285750">
-              <a:buFontTx/>
-              <a:buChar char="-"/>
-            </a:pPr>
-            <a:r>
-              <a:rPr lang="en-US" dirty="0" smtClean="0"/>
-              <a:t>React as front-end language</a:t>
-            </a:r>
-          </a:p>
-          <a:p>
-            <a:pPr marL="285750" indent="-285750">
-              <a:buFontTx/>
-              <a:buChar char="-"/>
-            </a:pPr>
-            <a:r>
-              <a:rPr lang="en-US" dirty="0" smtClean="0"/>
-              <a:t>Bootstrap and HTML5 based.</a:t>
-            </a:r>
-            <a:endParaRPr lang="en-US" dirty="0"/>
-          </a:p>
-        </p:txBody>
-      </p:sp>
-      <p:sp>
-        <p:nvSpPr>
-          <p:cNvPr id="5" name="TextBox 4"/>
-          <p:cNvSpPr txBox="1"/>
-          <p:nvPr/>
-        </p:nvSpPr>
-        <p:spPr>
-          <a:xfrm>
-            <a:off x="756922" y="4027892"/>
-            <a:ext cx="7748826" cy="923330"/>
-          </a:xfrm>
-          <a:prstGeom prst="rect">
-            <a:avLst/>
-          </a:prstGeom>
-          <a:noFill/>
-        </p:spPr>
-        <p:txBody>
-          <a:bodyPr wrap="square" rtlCol="0">
-            <a:spAutoFit/>
-          </a:bodyPr>
-          <a:lstStyle/>
-          <a:p>
-            <a:r>
-              <a:rPr lang="en-US" dirty="0" smtClean="0"/>
-              <a:t>The main reason we decided to use this tools, is because the lightweight of them, along with the ease to use and understand, so; anyone which wants to use, integrate or extend the tool, doesn</a:t>
-            </a:r>
-            <a:r>
-              <a:rPr lang="en-US" dirty="0" smtClean="0"/>
-              <a:t>’t need to complicate much.</a:t>
-            </a:r>
-            <a:endParaRPr lang="en-US" dirty="0"/>
-          </a:p>
-        </p:txBody>
-      </p:sp>
-      <p:sp>
-        <p:nvSpPr>
-          <p:cNvPr id="7" name="Title 6"/>
-          <p:cNvSpPr>
-            <a:spLocks noGrp="1"/>
-          </p:cNvSpPr>
-          <p:nvPr>
-            <p:ph type="title"/>
-          </p:nvPr>
-        </p:nvSpPr>
-        <p:spPr>
-          <a:xfrm>
-            <a:off x="457200" y="228895"/>
-            <a:ext cx="8229600" cy="763340"/>
-          </a:xfrm>
-        </p:spPr>
-        <p:txBody>
-          <a:bodyPr>
-            <a:normAutofit/>
-          </a:bodyPr>
-          <a:lstStyle/>
-          <a:p>
-            <a:r>
-              <a:rPr lang="en-US" sz="3200" dirty="0" smtClean="0"/>
-              <a:t>Introduction</a:t>
-            </a:r>
-            <a:endParaRPr lang="en-US" sz="3200" dirty="0"/>
-          </a:p>
-        </p:txBody>
-      </p:sp>
-    </p:spTree>
-    <p:extLst>
-      <p:ext uri="{BB962C8B-B14F-4D97-AF65-F5344CB8AC3E}">
-        <p14:creationId xmlns:p14="http://schemas.microsoft.com/office/powerpoint/2010/main" val="4078622399"/>
-      </p:ext>
-    </p:extLst>
-  </p:cSld>
-  <p:clrMapOvr>
-    <a:masterClrMapping/>
-  </p:clrMapOvr>
-</p:sld>
-</file>
-
-<file path=ppt/slides/slide3.xml><?xml version="1.0" encoding="utf-8"?>
 <p:sld xmlns:a="http://schemas.openxmlformats.org/drawingml/2006/main" xmlns:r="http://schemas.openxmlformats.org/officeDocument/2006/relationships" xmlns:p="http://schemas.openxmlformats.org/presentationml/2006/main">
   <p:cSld>
     <p:spTree>
@@ -3563,7 +3508,7 @@
 </p:sld>
 </file>
 
-<file path=ppt/slides/slide4.xml><?xml version="1.0" encoding="utf-8"?>
+<file path=ppt/slides/slide3.xml><?xml version="1.0" encoding="utf-8"?>
 <p:sld xmlns:a="http://schemas.openxmlformats.org/drawingml/2006/main" xmlns:r="http://schemas.openxmlformats.org/officeDocument/2006/relationships" xmlns:p="http://schemas.openxmlformats.org/presentationml/2006/main">
   <p:cSld>
     <p:spTree>
@@ -3635,6 +3580,445 @@
           </a:prstGeom>
         </p:spPr>
       </p:pic>
+      <p:sp>
+        <p:nvSpPr>
+          <p:cNvPr id="3" name="TextBox 2"/>
+          <p:cNvSpPr txBox="1"/>
+          <p:nvPr/>
+        </p:nvSpPr>
+        <p:spPr>
+          <a:xfrm>
+            <a:off x="6940587" y="1371471"/>
+            <a:ext cx="1697901" cy="276999"/>
+          </a:xfrm>
+          <a:prstGeom prst="rect">
+            <a:avLst/>
+          </a:prstGeom>
+        </p:spPr>
+        <p:style>
+          <a:lnRef idx="3">
+            <a:schemeClr val="lt1"/>
+          </a:lnRef>
+          <a:fillRef idx="1">
+            <a:schemeClr val="accent1"/>
+          </a:fillRef>
+          <a:effectRef idx="1">
+            <a:schemeClr val="accent1"/>
+          </a:effectRef>
+          <a:fontRef idx="minor">
+            <a:schemeClr val="lt1"/>
+          </a:fontRef>
+        </p:style>
+        <p:txBody>
+          <a:bodyPr wrap="none" rtlCol="0">
+            <a:spAutoFit/>
+          </a:bodyPr>
+          <a:lstStyle/>
+          <a:p>
+            <a:r>
+              <a:rPr lang="en-US" sz="1200" dirty="0" smtClean="0">
+                <a:solidFill>
+                  <a:schemeClr val="bg1"/>
+                </a:solidFill>
+              </a:rPr>
+              <a:t>Load another document</a:t>
+            </a:r>
+            <a:endParaRPr lang="en-US" sz="1200" dirty="0">
+              <a:solidFill>
+                <a:schemeClr val="bg1"/>
+              </a:solidFill>
+            </a:endParaRPr>
+          </a:p>
+        </p:txBody>
+      </p:sp>
+      <p:cxnSp>
+        <p:nvCxnSpPr>
+          <p:cNvPr id="5" name="Curved Connector 4"/>
+          <p:cNvCxnSpPr>
+            <a:stCxn id="3" idx="2"/>
+          </p:cNvCxnSpPr>
+          <p:nvPr/>
+        </p:nvCxnSpPr>
+        <p:spPr>
+          <a:xfrm rot="16200000" flipH="1">
+            <a:off x="7836628" y="1601379"/>
+            <a:ext cx="634858" cy="729039"/>
+          </a:xfrm>
+          <a:prstGeom prst="curvedConnector2">
+            <a:avLst/>
+          </a:prstGeom>
+          <a:ln>
+            <a:tailEnd type="arrow"/>
+          </a:ln>
+        </p:spPr>
+        <p:style>
+          <a:lnRef idx="3">
+            <a:schemeClr val="accent3"/>
+          </a:lnRef>
+          <a:fillRef idx="0">
+            <a:schemeClr val="accent3"/>
+          </a:fillRef>
+          <a:effectRef idx="2">
+            <a:schemeClr val="accent3"/>
+          </a:effectRef>
+          <a:fontRef idx="minor">
+            <a:schemeClr val="tx1"/>
+          </a:fontRef>
+        </p:style>
+      </p:cxnSp>
+      <p:sp>
+        <p:nvSpPr>
+          <p:cNvPr id="7" name="TextBox 6"/>
+          <p:cNvSpPr txBox="1"/>
+          <p:nvPr/>
+        </p:nvSpPr>
+        <p:spPr>
+          <a:xfrm>
+            <a:off x="264635" y="1751715"/>
+            <a:ext cx="1903085" cy="276999"/>
+          </a:xfrm>
+          <a:prstGeom prst="rect">
+            <a:avLst/>
+          </a:prstGeom>
+        </p:spPr>
+        <p:style>
+          <a:lnRef idx="3">
+            <a:schemeClr val="lt1"/>
+          </a:lnRef>
+          <a:fillRef idx="1">
+            <a:schemeClr val="accent1"/>
+          </a:fillRef>
+          <a:effectRef idx="1">
+            <a:schemeClr val="accent1"/>
+          </a:effectRef>
+          <a:fontRef idx="minor">
+            <a:schemeClr val="lt1"/>
+          </a:fontRef>
+        </p:style>
+        <p:txBody>
+          <a:bodyPr wrap="none" rtlCol="0">
+            <a:spAutoFit/>
+          </a:bodyPr>
+          <a:lstStyle>
+            <a:defPPr>
+              <a:defRPr lang="en-US"/>
+            </a:defPPr>
+            <a:lvl1pPr>
+              <a:defRPr sz="1200">
+                <a:solidFill>
+                  <a:schemeClr val="bg1"/>
+                </a:solidFill>
+              </a:defRPr>
+            </a:lvl1pPr>
+          </a:lstStyle>
+          <a:p>
+            <a:r>
+              <a:rPr lang="en-US" dirty="0"/>
+              <a:t>Apply a preconfigured filter</a:t>
+            </a:r>
+          </a:p>
+        </p:txBody>
+      </p:sp>
+      <p:cxnSp>
+        <p:nvCxnSpPr>
+          <p:cNvPr id="8" name="Curved Connector 7"/>
+          <p:cNvCxnSpPr>
+            <a:stCxn id="7" idx="2"/>
+          </p:cNvCxnSpPr>
+          <p:nvPr/>
+        </p:nvCxnSpPr>
+        <p:spPr>
+          <a:xfrm rot="16200000" flipH="1">
+            <a:off x="898447" y="2346445"/>
+            <a:ext cx="646606" cy="11144"/>
+          </a:xfrm>
+          <a:prstGeom prst="curvedConnector3">
+            <a:avLst>
+              <a:gd name="adj1" fmla="val 50000"/>
+            </a:avLst>
+          </a:prstGeom>
+          <a:ln>
+            <a:tailEnd type="arrow"/>
+          </a:ln>
+        </p:spPr>
+        <p:style>
+          <a:lnRef idx="3">
+            <a:schemeClr val="accent3"/>
+          </a:lnRef>
+          <a:fillRef idx="0">
+            <a:schemeClr val="accent3"/>
+          </a:fillRef>
+          <a:effectRef idx="2">
+            <a:schemeClr val="accent3"/>
+          </a:effectRef>
+          <a:fontRef idx="minor">
+            <a:schemeClr val="tx1"/>
+          </a:fontRef>
+        </p:style>
+      </p:cxnSp>
+      <p:cxnSp>
+        <p:nvCxnSpPr>
+          <p:cNvPr id="11" name="Curved Connector 10"/>
+          <p:cNvCxnSpPr>
+            <a:stCxn id="12" idx="1"/>
+          </p:cNvCxnSpPr>
+          <p:nvPr/>
+        </p:nvCxnSpPr>
+        <p:spPr>
+          <a:xfrm rot="10800000" flipH="1" flipV="1">
+            <a:off x="357665" y="1417638"/>
+            <a:ext cx="99535" cy="1891904"/>
+          </a:xfrm>
+          <a:prstGeom prst="curvedConnector4">
+            <a:avLst>
+              <a:gd name="adj1" fmla="val -229668"/>
+              <a:gd name="adj2" fmla="val 53660"/>
+            </a:avLst>
+          </a:prstGeom>
+          <a:ln>
+            <a:tailEnd type="arrow"/>
+          </a:ln>
+        </p:spPr>
+        <p:style>
+          <a:lnRef idx="3">
+            <a:schemeClr val="accent3"/>
+          </a:lnRef>
+          <a:fillRef idx="0">
+            <a:schemeClr val="accent3"/>
+          </a:fillRef>
+          <a:effectRef idx="2">
+            <a:schemeClr val="accent3"/>
+          </a:effectRef>
+          <a:fontRef idx="minor">
+            <a:schemeClr val="tx1"/>
+          </a:fontRef>
+        </p:style>
+      </p:cxnSp>
+      <p:sp>
+        <p:nvSpPr>
+          <p:cNvPr id="12" name="TextBox 11"/>
+          <p:cNvSpPr txBox="1"/>
+          <p:nvPr/>
+        </p:nvSpPr>
+        <p:spPr>
+          <a:xfrm>
+            <a:off x="357666" y="1279138"/>
+            <a:ext cx="2700304" cy="276999"/>
+          </a:xfrm>
+          <a:prstGeom prst="rect">
+            <a:avLst/>
+          </a:prstGeom>
+        </p:spPr>
+        <p:style>
+          <a:lnRef idx="3">
+            <a:schemeClr val="lt1"/>
+          </a:lnRef>
+          <a:fillRef idx="1">
+            <a:schemeClr val="accent1"/>
+          </a:fillRef>
+          <a:effectRef idx="1">
+            <a:schemeClr val="accent1"/>
+          </a:effectRef>
+          <a:fontRef idx="minor">
+            <a:schemeClr val="lt1"/>
+          </a:fontRef>
+        </p:style>
+        <p:txBody>
+          <a:bodyPr wrap="none" rtlCol="0">
+            <a:spAutoFit/>
+          </a:bodyPr>
+          <a:lstStyle>
+            <a:defPPr>
+              <a:defRPr lang="en-US"/>
+            </a:defPPr>
+            <a:lvl1pPr>
+              <a:defRPr sz="1200">
+                <a:solidFill>
+                  <a:schemeClr val="bg1"/>
+                </a:solidFill>
+              </a:defRPr>
+            </a:lvl1pPr>
+          </a:lstStyle>
+          <a:p>
+            <a:r>
+              <a:rPr lang="en-US" dirty="0"/>
+              <a:t>Quick jump to specific component panel</a:t>
+            </a:r>
+          </a:p>
+        </p:txBody>
+      </p:sp>
+      <p:sp>
+        <p:nvSpPr>
+          <p:cNvPr id="24" name="TextBox 23"/>
+          <p:cNvSpPr txBox="1"/>
+          <p:nvPr/>
+        </p:nvSpPr>
+        <p:spPr>
+          <a:xfrm>
+            <a:off x="2705406" y="1743882"/>
+            <a:ext cx="2178676" cy="276999"/>
+          </a:xfrm>
+          <a:prstGeom prst="rect">
+            <a:avLst/>
+          </a:prstGeom>
+        </p:spPr>
+        <p:style>
+          <a:lnRef idx="3">
+            <a:schemeClr val="lt1"/>
+          </a:lnRef>
+          <a:fillRef idx="1">
+            <a:schemeClr val="accent1"/>
+          </a:fillRef>
+          <a:effectRef idx="1">
+            <a:schemeClr val="accent1"/>
+          </a:effectRef>
+          <a:fontRef idx="minor">
+            <a:schemeClr val="lt1"/>
+          </a:fontRef>
+        </p:style>
+        <p:txBody>
+          <a:bodyPr wrap="none" rtlCol="0">
+            <a:spAutoFit/>
+          </a:bodyPr>
+          <a:lstStyle/>
+          <a:p>
+            <a:r>
+              <a:rPr lang="en-US" sz="1200" dirty="0" smtClean="0">
+                <a:solidFill>
+                  <a:schemeClr val="bg1"/>
+                </a:solidFill>
+              </a:rPr>
+              <a:t>Jump to main patient info panel</a:t>
+            </a:r>
+            <a:endParaRPr lang="en-US" sz="1200" dirty="0">
+              <a:solidFill>
+                <a:schemeClr val="bg1"/>
+              </a:solidFill>
+            </a:endParaRPr>
+          </a:p>
+        </p:txBody>
+      </p:sp>
+      <p:cxnSp>
+        <p:nvCxnSpPr>
+          <p:cNvPr id="25" name="Curved Connector 24"/>
+          <p:cNvCxnSpPr>
+            <a:stCxn id="24" idx="2"/>
+          </p:cNvCxnSpPr>
+          <p:nvPr/>
+        </p:nvCxnSpPr>
+        <p:spPr>
+          <a:xfrm rot="5400000">
+            <a:off x="1989407" y="1247652"/>
+            <a:ext cx="1032108" cy="2578567"/>
+          </a:xfrm>
+          <a:prstGeom prst="curvedConnector2">
+            <a:avLst/>
+          </a:prstGeom>
+          <a:ln>
+            <a:tailEnd type="arrow"/>
+          </a:ln>
+        </p:spPr>
+        <p:style>
+          <a:lnRef idx="3">
+            <a:schemeClr val="accent3"/>
+          </a:lnRef>
+          <a:fillRef idx="0">
+            <a:schemeClr val="accent3"/>
+          </a:fillRef>
+          <a:effectRef idx="2">
+            <a:schemeClr val="accent3"/>
+          </a:effectRef>
+          <a:fontRef idx="minor">
+            <a:schemeClr val="tx1"/>
+          </a:fontRef>
+        </p:style>
+      </p:cxnSp>
+      <p:sp>
+        <p:nvSpPr>
+          <p:cNvPr id="28" name="TextBox 27"/>
+          <p:cNvSpPr txBox="1"/>
+          <p:nvPr/>
+        </p:nvSpPr>
+        <p:spPr>
+          <a:xfrm>
+            <a:off x="2047432" y="3644035"/>
+            <a:ext cx="1010538" cy="276999"/>
+          </a:xfrm>
+          <a:prstGeom prst="rect">
+            <a:avLst/>
+          </a:prstGeom>
+        </p:spPr>
+        <p:style>
+          <a:lnRef idx="3">
+            <a:schemeClr val="lt1"/>
+          </a:lnRef>
+          <a:fillRef idx="1">
+            <a:schemeClr val="accent1"/>
+          </a:fillRef>
+          <a:effectRef idx="1">
+            <a:schemeClr val="accent1"/>
+          </a:effectRef>
+          <a:fontRef idx="minor">
+            <a:schemeClr val="lt1"/>
+          </a:fontRef>
+        </p:style>
+        <p:txBody>
+          <a:bodyPr wrap="none" rtlCol="0">
+            <a:spAutoFit/>
+          </a:bodyPr>
+          <a:lstStyle/>
+          <a:p>
+            <a:r>
+              <a:rPr lang="en-US" sz="1200" dirty="0" smtClean="0">
+                <a:solidFill>
+                  <a:schemeClr val="bg1"/>
+                </a:solidFill>
+              </a:rPr>
+              <a:t>Close a panel</a:t>
+            </a:r>
+            <a:endParaRPr lang="en-US" sz="1200" dirty="0">
+              <a:solidFill>
+                <a:schemeClr val="bg1"/>
+              </a:solidFill>
+            </a:endParaRPr>
+          </a:p>
+        </p:txBody>
+      </p:sp>
+      <p:cxnSp>
+        <p:nvCxnSpPr>
+          <p:cNvPr id="29" name="Curved Connector 28"/>
+          <p:cNvCxnSpPr>
+            <a:stCxn id="28" idx="3"/>
+          </p:cNvCxnSpPr>
+          <p:nvPr/>
+        </p:nvCxnSpPr>
+        <p:spPr>
+          <a:xfrm>
+            <a:off x="3057970" y="3782535"/>
+            <a:ext cx="264788" cy="412116"/>
+          </a:xfrm>
+          <a:prstGeom prst="curvedConnector2">
+            <a:avLst/>
+          </a:prstGeom>
+          <a:ln>
+            <a:tailEnd type="arrow"/>
+          </a:ln>
+        </p:spPr>
+        <p:style>
+          <a:lnRef idx="3">
+            <a:schemeClr val="accent3"/>
+          </a:lnRef>
+          <a:fillRef idx="0">
+            <a:schemeClr val="accent3"/>
+          </a:fillRef>
+          <a:effectRef idx="2">
+            <a:schemeClr val="accent3"/>
+          </a:effectRef>
+          <a:fontRef idx="minor">
+            <a:schemeClr val="tx1"/>
+          </a:fontRef>
+        </p:style>
+      </p:cxnSp>
     </p:spTree>
     <p:extLst>
       <p:ext uri="{BB962C8B-B14F-4D97-AF65-F5344CB8AC3E}">

--- a/MedicalVision.pptx
+++ b/MedicalVision.pptx
@@ -3766,12 +3766,12 @@
         </p:nvCxnSpPr>
         <p:spPr>
           <a:xfrm rot="10800000" flipH="1" flipV="1">
-            <a:off x="357665" y="1417638"/>
-            <a:ext cx="99535" cy="1891904"/>
+            <a:off x="357666" y="1417638"/>
+            <a:ext cx="99534" cy="1891904"/>
           </a:xfrm>
           <a:prstGeom prst="curvedConnector4">
             <a:avLst>
-              <a:gd name="adj1" fmla="val -229668"/>
+              <a:gd name="adj1" fmla="val -229670"/>
               <a:gd name="adj2" fmla="val 53660"/>
             </a:avLst>
           </a:prstGeom>
@@ -3803,7 +3803,7 @@
         <p:spPr>
           <a:xfrm>
             <a:off x="357666" y="1279138"/>
-            <a:ext cx="2700304" cy="276999"/>
+            <a:ext cx="3995805" cy="276999"/>
           </a:xfrm>
           <a:prstGeom prst="rect">
             <a:avLst/>
@@ -3842,8 +3842,13 @@
           <a:p>
             <a:r>
               <a:rPr lang="en-US" dirty="0"/>
-              <a:t>Quick jump to specific component panel</a:t>
-            </a:r>
+              <a:t>Quick jump to specific component </a:t>
+            </a:r>
+            <a:r>
+              <a:rPr lang="en-US" dirty="0" smtClean="0"/>
+              <a:t>panel or opens it if closed</a:t>
+            </a:r>
+            <a:endParaRPr lang="en-US" dirty="0"/>
           </a:p>
         </p:txBody>
       </p:sp>
